--- a/ゲーム制作課題「Breaking_UP」/仕様書/敵.pptx
+++ b/ゲーム制作課題「Breaking_UP」/仕様書/敵.pptx
@@ -6,6 +6,9 @@
   </p:sldMasterIdLst>
   <p:sldIdLst>
     <p:sldId id="256" r:id="rId2"/>
+    <p:sldId id="257" r:id="rId3"/>
+    <p:sldId id="258" r:id="rId4"/>
+    <p:sldId id="259" r:id="rId5"/>
   </p:sldIdLst>
   <p:sldSz cx="12192000" cy="6858000"/>
   <p:notesSz cx="6858000" cy="9144000"/>
@@ -104,6 +107,11 @@
       </a:defRPr>
     </a:lvl9pPr>
   </p:defaultTextStyle>
+  <p:extLst>
+    <p:ext uri="{EFAFB233-063F-42B5-8137-9DF3F51BA10A}">
+      <p15:sldGuideLst xmlns:p15="http://schemas.microsoft.com/office/powerpoint/2012/main"/>
+    </p:ext>
+  </p:extLst>
 </p:presentation>
 </file>
 
@@ -254,7 +262,7 @@
           <a:p>
             <a:fld id="{71F07A83-1551-4091-B444-811C0013CE76}" type="datetimeFigureOut">
               <a:rPr kumimoji="1" lang="ja-JP" altLang="en-US" smtClean="0"/>
-              <a:t>2026/2/4</a:t>
+              <a:t>2026/2/5</a:t>
             </a:fld>
             <a:endParaRPr kumimoji="1" lang="ja-JP" altLang="en-US"/>
           </a:p>
@@ -484,7 +492,7 @@
           <a:p>
             <a:fld id="{71F07A83-1551-4091-B444-811C0013CE76}" type="datetimeFigureOut">
               <a:rPr kumimoji="1" lang="ja-JP" altLang="en-US" smtClean="0"/>
-              <a:t>2026/2/4</a:t>
+              <a:t>2026/2/5</a:t>
             </a:fld>
             <a:endParaRPr kumimoji="1" lang="ja-JP" altLang="en-US"/>
           </a:p>
@@ -724,7 +732,7 @@
           <a:p>
             <a:fld id="{71F07A83-1551-4091-B444-811C0013CE76}" type="datetimeFigureOut">
               <a:rPr kumimoji="1" lang="ja-JP" altLang="en-US" smtClean="0"/>
-              <a:t>2026/2/4</a:t>
+              <a:t>2026/2/5</a:t>
             </a:fld>
             <a:endParaRPr kumimoji="1" lang="ja-JP" altLang="en-US"/>
           </a:p>
@@ -954,7 +962,7 @@
           <a:p>
             <a:fld id="{71F07A83-1551-4091-B444-811C0013CE76}" type="datetimeFigureOut">
               <a:rPr kumimoji="1" lang="ja-JP" altLang="en-US" smtClean="0"/>
-              <a:t>2026/2/4</a:t>
+              <a:t>2026/2/5</a:t>
             </a:fld>
             <a:endParaRPr kumimoji="1" lang="ja-JP" altLang="en-US"/>
           </a:p>
@@ -1229,7 +1237,7 @@
           <a:p>
             <a:fld id="{71F07A83-1551-4091-B444-811C0013CE76}" type="datetimeFigureOut">
               <a:rPr kumimoji="1" lang="ja-JP" altLang="en-US" smtClean="0"/>
-              <a:t>2026/2/4</a:t>
+              <a:t>2026/2/5</a:t>
             </a:fld>
             <a:endParaRPr kumimoji="1" lang="ja-JP" altLang="en-US"/>
           </a:p>
@@ -1558,7 +1566,7 @@
           <a:p>
             <a:fld id="{71F07A83-1551-4091-B444-811C0013CE76}" type="datetimeFigureOut">
               <a:rPr kumimoji="1" lang="ja-JP" altLang="en-US" smtClean="0"/>
-              <a:t>2026/2/4</a:t>
+              <a:t>2026/2/5</a:t>
             </a:fld>
             <a:endParaRPr kumimoji="1" lang="ja-JP" altLang="en-US"/>
           </a:p>
@@ -2034,7 +2042,7 @@
           <a:p>
             <a:fld id="{71F07A83-1551-4091-B444-811C0013CE76}" type="datetimeFigureOut">
               <a:rPr kumimoji="1" lang="ja-JP" altLang="en-US" smtClean="0"/>
-              <a:t>2026/2/4</a:t>
+              <a:t>2026/2/5</a:t>
             </a:fld>
             <a:endParaRPr kumimoji="1" lang="ja-JP" altLang="en-US"/>
           </a:p>
@@ -2175,7 +2183,7 @@
           <a:p>
             <a:fld id="{71F07A83-1551-4091-B444-811C0013CE76}" type="datetimeFigureOut">
               <a:rPr kumimoji="1" lang="ja-JP" altLang="en-US" smtClean="0"/>
-              <a:t>2026/2/4</a:t>
+              <a:t>2026/2/5</a:t>
             </a:fld>
             <a:endParaRPr kumimoji="1" lang="ja-JP" altLang="en-US"/>
           </a:p>
@@ -2288,7 +2296,7 @@
           <a:p>
             <a:fld id="{71F07A83-1551-4091-B444-811C0013CE76}" type="datetimeFigureOut">
               <a:rPr kumimoji="1" lang="ja-JP" altLang="en-US" smtClean="0"/>
-              <a:t>2026/2/4</a:t>
+              <a:t>2026/2/5</a:t>
             </a:fld>
             <a:endParaRPr kumimoji="1" lang="ja-JP" altLang="en-US"/>
           </a:p>
@@ -2631,7 +2639,7 @@
           <a:p>
             <a:fld id="{71F07A83-1551-4091-B444-811C0013CE76}" type="datetimeFigureOut">
               <a:rPr kumimoji="1" lang="ja-JP" altLang="en-US" smtClean="0"/>
-              <a:t>2026/2/4</a:t>
+              <a:t>2026/2/5</a:t>
             </a:fld>
             <a:endParaRPr kumimoji="1" lang="ja-JP" altLang="en-US"/>
           </a:p>
@@ -2919,7 +2927,7 @@
           <a:p>
             <a:fld id="{71F07A83-1551-4091-B444-811C0013CE76}" type="datetimeFigureOut">
               <a:rPr kumimoji="1" lang="ja-JP" altLang="en-US" smtClean="0"/>
-              <a:t>2026/2/4</a:t>
+              <a:t>2026/2/5</a:t>
             </a:fld>
             <a:endParaRPr kumimoji="1" lang="ja-JP" altLang="en-US"/>
           </a:p>
@@ -3192,7 +3200,7 @@
           <a:p>
             <a:fld id="{71F07A83-1551-4091-B444-811C0013CE76}" type="datetimeFigureOut">
               <a:rPr kumimoji="1" lang="ja-JP" altLang="en-US" smtClean="0"/>
-              <a:t>2026/2/4</a:t>
+              <a:t>2026/2/5</a:t>
             </a:fld>
             <a:endParaRPr kumimoji="1" lang="ja-JP" altLang="en-US"/>
           </a:p>
@@ -3659,7 +3667,42 @@
         </p:nvSpPr>
         <p:spPr>
           <a:xfrm>
-            <a:off x="1410545" y="3184160"/>
+            <a:off x="1195392" y="907124"/>
+            <a:ext cx="3416320" cy="369332"/>
+          </a:xfrm>
+          <a:prstGeom prst="rect">
+            <a:avLst/>
+          </a:prstGeom>
+          <a:noFill/>
+        </p:spPr>
+        <p:txBody>
+          <a:bodyPr wrap="none" rtlCol="0">
+            <a:spAutoFit/>
+          </a:bodyPr>
+          <a:lstStyle/>
+          <a:p>
+            <a:r>
+              <a:rPr lang="ja-JP" altLang="en-US" dirty="0"/>
+              <a:t>・以下のタイミングで倒される</a:t>
+            </a:r>
+          </a:p>
+        </p:txBody>
+      </p:sp>
+      <p:sp>
+        <p:nvSpPr>
+          <p:cNvPr id="5" name="テキスト ボックス 4">
+            <a:extLst>
+              <a:ext uri="{FF2B5EF4-FFF2-40B4-BE49-F238E27FC236}">
+                <a16:creationId xmlns:a16="http://schemas.microsoft.com/office/drawing/2014/main" id="{D0054F15-72B7-4DC9-86F8-5BA44A053AFE}"/>
+              </a:ext>
+            </a:extLst>
+          </p:cNvPr>
+          <p:cNvSpPr txBox="1"/>
+          <p:nvPr/>
+        </p:nvSpPr>
+        <p:spPr>
+          <a:xfrm>
+            <a:off x="1657057" y="1276456"/>
             <a:ext cx="1800493" cy="369332"/>
           </a:xfrm>
           <a:prstGeom prst="rect">
@@ -3675,17 +3718,17 @@
           <a:p>
             <a:r>
               <a:rPr lang="ja-JP" altLang="en-US" dirty="0"/>
-              <a:t>・倒されるとき</a:t>
-            </a:r>
-          </a:p>
-        </p:txBody>
-      </p:sp>
-      <p:sp>
-        <p:nvSpPr>
-          <p:cNvPr id="5" name="テキスト ボックス 4">
-            <a:extLst>
-              <a:ext uri="{FF2B5EF4-FFF2-40B4-BE49-F238E27FC236}">
-                <a16:creationId xmlns:a16="http://schemas.microsoft.com/office/drawing/2014/main" id="{D0054F15-72B7-4DC9-86F8-5BA44A053AFE}"/>
+              <a:t>・踏まれたとき</a:t>
+            </a:r>
+          </a:p>
+        </p:txBody>
+      </p:sp>
+      <p:sp>
+        <p:nvSpPr>
+          <p:cNvPr id="6" name="テキスト ボックス 5">
+            <a:extLst>
+              <a:ext uri="{FF2B5EF4-FFF2-40B4-BE49-F238E27FC236}">
+                <a16:creationId xmlns:a16="http://schemas.microsoft.com/office/drawing/2014/main" id="{BEC9D801-280C-44DF-9044-9FD9BEC4EA66}"/>
               </a:ext>
             </a:extLst>
           </p:cNvPr>
@@ -3694,7 +3737,387 @@
         </p:nvSpPr>
         <p:spPr>
           <a:xfrm>
-            <a:off x="1872210" y="3553492"/>
+            <a:off x="1657057" y="1645788"/>
+            <a:ext cx="2031325" cy="369332"/>
+          </a:xfrm>
+          <a:prstGeom prst="rect">
+            <a:avLst/>
+          </a:prstGeom>
+          <a:noFill/>
+        </p:spPr>
+        <p:txBody>
+          <a:bodyPr wrap="none" rtlCol="0">
+            <a:spAutoFit/>
+          </a:bodyPr>
+          <a:lstStyle/>
+          <a:p>
+            <a:r>
+              <a:rPr lang="ja-JP" altLang="en-US" dirty="0"/>
+              <a:t>・弾が当たった時</a:t>
+            </a:r>
+          </a:p>
+        </p:txBody>
+      </p:sp>
+      <p:sp>
+        <p:nvSpPr>
+          <p:cNvPr id="8" name="テキスト ボックス 7">
+            <a:extLst>
+              <a:ext uri="{FF2B5EF4-FFF2-40B4-BE49-F238E27FC236}">
+                <a16:creationId xmlns:a16="http://schemas.microsoft.com/office/drawing/2014/main" id="{4E7365D6-E74C-45BF-826B-BDB20BB564DD}"/>
+              </a:ext>
+            </a:extLst>
+          </p:cNvPr>
+          <p:cNvSpPr txBox="1"/>
+          <p:nvPr/>
+        </p:nvSpPr>
+        <p:spPr>
+          <a:xfrm>
+            <a:off x="1657057" y="2015120"/>
+            <a:ext cx="3629520" cy="369332"/>
+          </a:xfrm>
+          <a:prstGeom prst="rect">
+            <a:avLst/>
+          </a:prstGeom>
+          <a:noFill/>
+        </p:spPr>
+        <p:txBody>
+          <a:bodyPr wrap="none" rtlCol="0">
+            <a:spAutoFit/>
+          </a:bodyPr>
+          <a:lstStyle/>
+          <a:p>
+            <a:r>
+              <a:rPr lang="ja-JP" altLang="en-US" dirty="0"/>
+              <a:t>・踏まれたとき</a:t>
+            </a:r>
+            <a:r>
+              <a:rPr lang="en-US" altLang="ja-JP" dirty="0"/>
+              <a:t>or</a:t>
+            </a:r>
+            <a:r>
+              <a:rPr lang="ja-JP" altLang="en-US" dirty="0"/>
+              <a:t>弾が当たった時</a:t>
+            </a:r>
+          </a:p>
+        </p:txBody>
+      </p:sp>
+      <p:sp>
+        <p:nvSpPr>
+          <p:cNvPr id="9" name="テキスト ボックス 8">
+            <a:extLst>
+              <a:ext uri="{FF2B5EF4-FFF2-40B4-BE49-F238E27FC236}">
+                <a16:creationId xmlns:a16="http://schemas.microsoft.com/office/drawing/2014/main" id="{DE87F18E-D422-4F6B-BEA7-C25B50488E1E}"/>
+              </a:ext>
+            </a:extLst>
+          </p:cNvPr>
+          <p:cNvSpPr txBox="1"/>
+          <p:nvPr/>
+        </p:nvSpPr>
+        <p:spPr>
+          <a:xfrm>
+            <a:off x="1657057" y="2657127"/>
+            <a:ext cx="5955476" cy="923330"/>
+          </a:xfrm>
+          <a:prstGeom prst="rect">
+            <a:avLst/>
+          </a:prstGeom>
+          <a:noFill/>
+        </p:spPr>
+        <p:txBody>
+          <a:bodyPr wrap="none" rtlCol="0">
+            <a:spAutoFit/>
+          </a:bodyPr>
+          <a:lstStyle/>
+          <a:p>
+            <a:r>
+              <a:rPr lang="ja-JP" altLang="en-US" dirty="0"/>
+              <a:t>・ブロックを壊したところに敵が潜んでいる場合もある</a:t>
+            </a:r>
+            <a:endParaRPr lang="en-US" altLang="ja-JP" dirty="0"/>
+          </a:p>
+          <a:p>
+            <a:r>
+              <a:rPr lang="ja-JP" altLang="en-US" dirty="0"/>
+              <a:t>　　　　　　　　　　　　↓</a:t>
+            </a:r>
+            <a:endParaRPr lang="en-US" altLang="ja-JP" dirty="0"/>
+          </a:p>
+          <a:p>
+            <a:r>
+              <a:rPr lang="ja-JP" altLang="en-US" dirty="0"/>
+              <a:t>　　　　　　　　</a:t>
+            </a:r>
+            <a:r>
+              <a:rPr lang="en-US" altLang="ja-JP" dirty="0"/>
+              <a:t>Player</a:t>
+            </a:r>
+            <a:r>
+              <a:rPr lang="ja-JP" altLang="en-US" dirty="0"/>
+              <a:t>を追いかける</a:t>
+            </a:r>
+            <a:endParaRPr lang="en-US" altLang="ja-JP" dirty="0"/>
+          </a:p>
+        </p:txBody>
+      </p:sp>
+      <p:sp>
+        <p:nvSpPr>
+          <p:cNvPr id="7" name="テキスト ボックス 6">
+            <a:extLst>
+              <a:ext uri="{FF2B5EF4-FFF2-40B4-BE49-F238E27FC236}">
+                <a16:creationId xmlns:a16="http://schemas.microsoft.com/office/drawing/2014/main" id="{7B7334F9-BC0F-431F-A556-00E6F6AD7503}"/>
+              </a:ext>
+            </a:extLst>
+          </p:cNvPr>
+          <p:cNvSpPr txBox="1"/>
+          <p:nvPr/>
+        </p:nvSpPr>
+        <p:spPr>
+          <a:xfrm>
+            <a:off x="1657057" y="4007383"/>
+            <a:ext cx="6340197" cy="369332"/>
+          </a:xfrm>
+          <a:prstGeom prst="rect">
+            <a:avLst/>
+          </a:prstGeom>
+          <a:noFill/>
+        </p:spPr>
+        <p:txBody>
+          <a:bodyPr wrap="none" rtlCol="0">
+            <a:spAutoFit/>
+          </a:bodyPr>
+          <a:lstStyle/>
+          <a:p>
+            <a:r>
+              <a:rPr lang="en-US" altLang="ja-JP" dirty="0"/>
+              <a:t>Red</a:t>
+            </a:r>
+            <a:r>
+              <a:rPr lang="ja-JP" altLang="en-US" dirty="0"/>
+              <a:t>敵、</a:t>
+            </a:r>
+            <a:r>
+              <a:rPr lang="en-US" altLang="ja-JP" dirty="0"/>
+              <a:t>Blue</a:t>
+            </a:r>
+            <a:r>
+              <a:rPr lang="ja-JP" altLang="en-US" dirty="0"/>
+              <a:t>敵、</a:t>
+            </a:r>
+            <a:r>
+              <a:rPr lang="en-US" altLang="ja-JP" dirty="0"/>
+              <a:t>Green</a:t>
+            </a:r>
+            <a:r>
+              <a:rPr lang="ja-JP" altLang="en-US" dirty="0"/>
+              <a:t>敵に合わせたエフェクトを描画する</a:t>
+            </a:r>
+            <a:endParaRPr kumimoji="1" lang="ja-JP" altLang="en-US" dirty="0"/>
+          </a:p>
+        </p:txBody>
+      </p:sp>
+    </p:spTree>
+    <p:extLst>
+      <p:ext uri="{BB962C8B-B14F-4D97-AF65-F5344CB8AC3E}">
+        <p14:creationId xmlns:p14="http://schemas.microsoft.com/office/powerpoint/2010/main" val="2124067349"/>
+      </p:ext>
+    </p:extLst>
+  </p:cSld>
+  <p:clrMapOvr>
+    <a:masterClrMapping/>
+  </p:clrMapOvr>
+</p:sld>
+</file>
+
+<file path=ppt/slides/slide2.xml><?xml version="1.0" encoding="utf-8"?>
+<p:sld xmlns:a="http://schemas.openxmlformats.org/drawingml/2006/main" xmlns:r="http://schemas.openxmlformats.org/officeDocument/2006/relationships" xmlns:p="http://schemas.openxmlformats.org/presentationml/2006/main">
+  <p:cSld>
+    <p:spTree>
+      <p:nvGrpSpPr>
+        <p:cNvPr id="1" name=""/>
+        <p:cNvGrpSpPr/>
+        <p:nvPr/>
+      </p:nvGrpSpPr>
+      <p:grpSpPr>
+        <a:xfrm>
+          <a:off x="0" y="0"/>
+          <a:ext cx="0" cy="0"/>
+          <a:chOff x="0" y="0"/>
+          <a:chExt cx="0" cy="0"/>
+        </a:xfrm>
+      </p:grpSpPr>
+      <p:sp>
+        <p:nvSpPr>
+          <p:cNvPr id="5" name="テキスト ボックス 4">
+            <a:extLst>
+              <a:ext uri="{FF2B5EF4-FFF2-40B4-BE49-F238E27FC236}">
+                <a16:creationId xmlns:a16="http://schemas.microsoft.com/office/drawing/2014/main" id="{F79B02D9-E835-4767-A7BD-EA5AC4BA4200}"/>
+              </a:ext>
+            </a:extLst>
+          </p:cNvPr>
+          <p:cNvSpPr txBox="1"/>
+          <p:nvPr/>
+        </p:nvSpPr>
+        <p:spPr>
+          <a:xfrm>
+            <a:off x="71717" y="125506"/>
+            <a:ext cx="830677" cy="369332"/>
+          </a:xfrm>
+          <a:prstGeom prst="rect">
+            <a:avLst/>
+          </a:prstGeom>
+          <a:noFill/>
+        </p:spPr>
+        <p:txBody>
+          <a:bodyPr wrap="none" rtlCol="0">
+            <a:spAutoFit/>
+          </a:bodyPr>
+          <a:lstStyle/>
+          <a:p>
+            <a:r>
+              <a:rPr kumimoji="1" lang="en-US" altLang="ja-JP" dirty="0"/>
+              <a:t>Red</a:t>
+            </a:r>
+            <a:r>
+              <a:rPr kumimoji="1" lang="ja-JP" altLang="en-US" dirty="0"/>
+              <a:t>敵</a:t>
+            </a:r>
+            <a:endParaRPr kumimoji="1" lang="en-US" altLang="ja-JP" dirty="0"/>
+          </a:p>
+        </p:txBody>
+      </p:sp>
+      <p:sp>
+        <p:nvSpPr>
+          <p:cNvPr id="7" name="テキスト ボックス 6">
+            <a:extLst>
+              <a:ext uri="{FF2B5EF4-FFF2-40B4-BE49-F238E27FC236}">
+                <a16:creationId xmlns:a16="http://schemas.microsoft.com/office/drawing/2014/main" id="{1C5C9713-A7A9-4861-AD2A-FD7ECE45317B}"/>
+              </a:ext>
+            </a:extLst>
+          </p:cNvPr>
+          <p:cNvSpPr txBox="1"/>
+          <p:nvPr/>
+        </p:nvSpPr>
+        <p:spPr>
+          <a:xfrm>
+            <a:off x="1676401" y="2770095"/>
+            <a:ext cx="2850460" cy="369332"/>
+          </a:xfrm>
+          <a:prstGeom prst="rect">
+            <a:avLst/>
+          </a:prstGeom>
+          <a:noFill/>
+        </p:spPr>
+        <p:txBody>
+          <a:bodyPr wrap="none" rtlCol="0">
+            <a:spAutoFit/>
+          </a:bodyPr>
+          <a:lstStyle/>
+          <a:p>
+            <a:r>
+              <a:rPr kumimoji="1" lang="en-US" altLang="ja-JP" dirty="0"/>
+              <a:t>Block</a:t>
+            </a:r>
+            <a:r>
+              <a:rPr kumimoji="1" lang="ja-JP" altLang="en-US" dirty="0"/>
+              <a:t>の中に潜んでいない</a:t>
+            </a:r>
+          </a:p>
+        </p:txBody>
+      </p:sp>
+      <p:sp>
+        <p:nvSpPr>
+          <p:cNvPr id="8" name="テキスト ボックス 7">
+            <a:extLst>
+              <a:ext uri="{FF2B5EF4-FFF2-40B4-BE49-F238E27FC236}">
+                <a16:creationId xmlns:a16="http://schemas.microsoft.com/office/drawing/2014/main" id="{264342E1-B335-46E3-B6EA-597F8D5A277F}"/>
+              </a:ext>
+            </a:extLst>
+          </p:cNvPr>
+          <p:cNvSpPr txBox="1"/>
+          <p:nvPr/>
+        </p:nvSpPr>
+        <p:spPr>
+          <a:xfrm>
+            <a:off x="2474260" y="3442448"/>
+            <a:ext cx="4466287" cy="369332"/>
+          </a:xfrm>
+          <a:prstGeom prst="rect">
+            <a:avLst/>
+          </a:prstGeom>
+          <a:noFill/>
+        </p:spPr>
+        <p:txBody>
+          <a:bodyPr wrap="none" rtlCol="0">
+            <a:spAutoFit/>
+          </a:bodyPr>
+          <a:lstStyle/>
+          <a:p>
+            <a:r>
+              <a:rPr kumimoji="1" lang="ja-JP" altLang="en-US" dirty="0"/>
+              <a:t>・</a:t>
+            </a:r>
+            <a:r>
+              <a:rPr kumimoji="1" lang="en-US" altLang="ja-JP" dirty="0"/>
+              <a:t>Block</a:t>
+            </a:r>
+            <a:r>
+              <a:rPr kumimoji="1" lang="ja-JP" altLang="en-US" dirty="0"/>
+              <a:t>を壊すとプレイヤーを追いかける</a:t>
+            </a:r>
+          </a:p>
+        </p:txBody>
+      </p:sp>
+      <p:sp>
+        <p:nvSpPr>
+          <p:cNvPr id="9" name="テキスト ボックス 8">
+            <a:extLst>
+              <a:ext uri="{FF2B5EF4-FFF2-40B4-BE49-F238E27FC236}">
+                <a16:creationId xmlns:a16="http://schemas.microsoft.com/office/drawing/2014/main" id="{4AC3A0A0-1B1A-4627-9A63-9E215662253A}"/>
+              </a:ext>
+            </a:extLst>
+          </p:cNvPr>
+          <p:cNvSpPr txBox="1"/>
+          <p:nvPr/>
+        </p:nvSpPr>
+        <p:spPr>
+          <a:xfrm>
+            <a:off x="2474260" y="4297687"/>
+            <a:ext cx="4801314" cy="369332"/>
+          </a:xfrm>
+          <a:prstGeom prst="rect">
+            <a:avLst/>
+          </a:prstGeom>
+          <a:noFill/>
+        </p:spPr>
+        <p:txBody>
+          <a:bodyPr wrap="none" rtlCol="0">
+            <a:spAutoFit/>
+          </a:bodyPr>
+          <a:lstStyle/>
+          <a:p>
+            <a:r>
+              <a:rPr lang="ja-JP" altLang="en-US" dirty="0"/>
+              <a:t>・プレイヤーが視界に入ると追いかけてくる</a:t>
+            </a:r>
+            <a:endParaRPr lang="en-US" altLang="ja-JP" dirty="0"/>
+          </a:p>
+        </p:txBody>
+      </p:sp>
+      <p:sp>
+        <p:nvSpPr>
+          <p:cNvPr id="11" name="テキスト ボックス 10">
+            <a:extLst>
+              <a:ext uri="{FF2B5EF4-FFF2-40B4-BE49-F238E27FC236}">
+                <a16:creationId xmlns:a16="http://schemas.microsoft.com/office/drawing/2014/main" id="{D0AFF250-707E-487B-807D-7420F0584B09}"/>
+              </a:ext>
+            </a:extLst>
+          </p:cNvPr>
+          <p:cNvSpPr txBox="1"/>
+          <p:nvPr/>
+        </p:nvSpPr>
+        <p:spPr>
+          <a:xfrm>
+            <a:off x="2474260" y="3856603"/>
             <a:ext cx="1800493" cy="369332"/>
           </a:xfrm>
           <a:prstGeom prst="rect">
@@ -3710,52 +4133,54 @@
           <a:p>
             <a:r>
               <a:rPr lang="ja-JP" altLang="en-US" dirty="0"/>
-              <a:t>・踏まれたとき</a:t>
-            </a:r>
-          </a:p>
-        </p:txBody>
-      </p:sp>
-      <p:sp>
-        <p:nvSpPr>
-          <p:cNvPr id="6" name="テキスト ボックス 5">
-            <a:extLst>
-              <a:ext uri="{FF2B5EF4-FFF2-40B4-BE49-F238E27FC236}">
-                <a16:creationId xmlns:a16="http://schemas.microsoft.com/office/drawing/2014/main" id="{BEC9D801-280C-44DF-9044-9FD9BEC4EA66}"/>
-              </a:ext>
-            </a:extLst>
-          </p:cNvPr>
-          <p:cNvSpPr txBox="1"/>
+              <a:t>・壁で折り返す</a:t>
+            </a:r>
+            <a:endParaRPr lang="en-US" altLang="ja-JP" dirty="0"/>
+          </a:p>
+        </p:txBody>
+      </p:sp>
+      <p:pic>
+        <p:nvPicPr>
+          <p:cNvPr id="13" name="図 12">
+            <a:extLst>
+              <a:ext uri="{FF2B5EF4-FFF2-40B4-BE49-F238E27FC236}">
+                <a16:creationId xmlns:a16="http://schemas.microsoft.com/office/drawing/2014/main" id="{90C8C151-8C6D-4601-8BCB-EEC2D739ACAC}"/>
+              </a:ext>
+            </a:extLst>
+          </p:cNvPr>
+          <p:cNvPicPr>
+            <a:picLocks noChangeAspect="1"/>
+          </p:cNvPicPr>
           <p:nvPr/>
-        </p:nvSpPr>
+        </p:nvPicPr>
+        <p:blipFill>
+          <a:blip r:embed="rId2">
+            <a:extLst>
+              <a:ext uri="{28A0092B-C50C-407E-A947-70E740481C1C}">
+                <a14:useLocalDpi xmlns:a14="http://schemas.microsoft.com/office/drawing/2010/main" val="0"/>
+              </a:ext>
+            </a:extLst>
+          </a:blip>
+          <a:stretch>
+            <a:fillRect/>
+          </a:stretch>
+        </p:blipFill>
         <p:spPr>
           <a:xfrm>
-            <a:off x="1872210" y="3922824"/>
-            <a:ext cx="2031325" cy="369332"/>
+            <a:off x="1676401" y="440655"/>
+            <a:ext cx="1529043" cy="1529043"/>
           </a:xfrm>
           <a:prstGeom prst="rect">
             <a:avLst/>
           </a:prstGeom>
-          <a:noFill/>
         </p:spPr>
-        <p:txBody>
-          <a:bodyPr wrap="none" rtlCol="0">
-            <a:spAutoFit/>
-          </a:bodyPr>
-          <a:lstStyle/>
-          <a:p>
-            <a:r>
-              <a:rPr lang="ja-JP" altLang="en-US" dirty="0"/>
-              <a:t>・弾が当たった時</a:t>
-            </a:r>
-          </a:p>
-        </p:txBody>
-      </p:sp>
-      <p:sp>
-        <p:nvSpPr>
-          <p:cNvPr id="8" name="テキスト ボックス 7">
-            <a:extLst>
-              <a:ext uri="{FF2B5EF4-FFF2-40B4-BE49-F238E27FC236}">
-                <a16:creationId xmlns:a16="http://schemas.microsoft.com/office/drawing/2014/main" id="{4E7365D6-E74C-45BF-826B-BDB20BB564DD}"/>
+      </p:pic>
+      <p:sp>
+        <p:nvSpPr>
+          <p:cNvPr id="14" name="テキスト ボックス 13">
+            <a:extLst>
+              <a:ext uri="{FF2B5EF4-FFF2-40B4-BE49-F238E27FC236}">
+                <a16:creationId xmlns:a16="http://schemas.microsoft.com/office/drawing/2014/main" id="{8C1E7961-6C80-44D4-9743-9666D58F3D90}"/>
               </a:ext>
             </a:extLst>
           </p:cNvPr>
@@ -3764,147 +4189,7 @@
         </p:nvSpPr>
         <p:spPr>
           <a:xfrm>
-            <a:off x="1872210" y="4292156"/>
-            <a:ext cx="3629520" cy="369332"/>
-          </a:xfrm>
-          <a:prstGeom prst="rect">
-            <a:avLst/>
-          </a:prstGeom>
-          <a:noFill/>
-        </p:spPr>
-        <p:txBody>
-          <a:bodyPr wrap="none" rtlCol="0">
-            <a:spAutoFit/>
-          </a:bodyPr>
-          <a:lstStyle/>
-          <a:p>
-            <a:r>
-              <a:rPr lang="ja-JP" altLang="en-US" dirty="0"/>
-              <a:t>・踏まれたとき</a:t>
-            </a:r>
-            <a:r>
-              <a:rPr lang="en-US" altLang="ja-JP" dirty="0"/>
-              <a:t>or</a:t>
-            </a:r>
-            <a:r>
-              <a:rPr lang="ja-JP" altLang="en-US" dirty="0"/>
-              <a:t>弾が当たった時</a:t>
-            </a:r>
-          </a:p>
-        </p:txBody>
-      </p:sp>
-      <p:sp>
-        <p:nvSpPr>
-          <p:cNvPr id="9" name="テキスト ボックス 8">
-            <a:extLst>
-              <a:ext uri="{FF2B5EF4-FFF2-40B4-BE49-F238E27FC236}">
-                <a16:creationId xmlns:a16="http://schemas.microsoft.com/office/drawing/2014/main" id="{DE87F18E-D422-4F6B-BEA7-C25B50488E1E}"/>
-              </a:ext>
-            </a:extLst>
-          </p:cNvPr>
-          <p:cNvSpPr txBox="1"/>
-          <p:nvPr/>
-        </p:nvSpPr>
-        <p:spPr>
-          <a:xfrm>
-            <a:off x="1872210" y="4934163"/>
-            <a:ext cx="5955476" cy="923330"/>
-          </a:xfrm>
-          <a:prstGeom prst="rect">
-            <a:avLst/>
-          </a:prstGeom>
-          <a:noFill/>
-        </p:spPr>
-        <p:txBody>
-          <a:bodyPr wrap="none" rtlCol="0">
-            <a:spAutoFit/>
-          </a:bodyPr>
-          <a:lstStyle/>
-          <a:p>
-            <a:r>
-              <a:rPr lang="ja-JP" altLang="en-US" dirty="0"/>
-              <a:t>・ブロックを壊したところに敵が潜んでいる場合もある</a:t>
-            </a:r>
-            <a:endParaRPr lang="en-US" altLang="ja-JP" dirty="0"/>
-          </a:p>
-          <a:p>
-            <a:r>
-              <a:rPr lang="ja-JP" altLang="en-US" dirty="0"/>
-              <a:t>　　　　　　　　　　　　↓</a:t>
-            </a:r>
-            <a:endParaRPr lang="en-US" altLang="ja-JP" dirty="0"/>
-          </a:p>
-          <a:p>
-            <a:r>
-              <a:rPr lang="ja-JP" altLang="en-US" dirty="0"/>
-              <a:t>　　　　　　　　</a:t>
-            </a:r>
-            <a:r>
-              <a:rPr lang="en-US" altLang="ja-JP" dirty="0"/>
-              <a:t>Player</a:t>
-            </a:r>
-            <a:r>
-              <a:rPr lang="ja-JP" altLang="en-US" dirty="0"/>
-              <a:t>を追いかける</a:t>
-            </a:r>
-            <a:endParaRPr lang="en-US" altLang="ja-JP" dirty="0"/>
-          </a:p>
-        </p:txBody>
-      </p:sp>
-      <p:sp>
-        <p:nvSpPr>
-          <p:cNvPr id="12" name="テキスト ボックス 11">
-            <a:extLst>
-              <a:ext uri="{FF2B5EF4-FFF2-40B4-BE49-F238E27FC236}">
-                <a16:creationId xmlns:a16="http://schemas.microsoft.com/office/drawing/2014/main" id="{A1E88673-3CE8-40AA-9E11-74988F816519}"/>
-              </a:ext>
-            </a:extLst>
-          </p:cNvPr>
-          <p:cNvSpPr txBox="1"/>
-          <p:nvPr/>
-        </p:nvSpPr>
-        <p:spPr>
-          <a:xfrm>
-            <a:off x="1410545" y="631175"/>
-            <a:ext cx="1338828" cy="369332"/>
-          </a:xfrm>
-          <a:prstGeom prst="rect">
-            <a:avLst/>
-          </a:prstGeom>
-          <a:noFill/>
-        </p:spPr>
-        <p:txBody>
-          <a:bodyPr wrap="none" rtlCol="0">
-            <a:spAutoFit/>
-          </a:bodyPr>
-          <a:lstStyle/>
-          <a:p>
-            <a:r>
-              <a:rPr lang="en-US" altLang="ja-JP" dirty="0"/>
-              <a:t>※</a:t>
-            </a:r>
-            <a:r>
-              <a:rPr lang="ja-JP" altLang="en-US" dirty="0"/>
-              <a:t>随時追加</a:t>
-            </a:r>
-          </a:p>
-        </p:txBody>
-      </p:sp>
-      <p:sp>
-        <p:nvSpPr>
-          <p:cNvPr id="13" name="テキスト ボックス 12">
-            <a:extLst>
-              <a:ext uri="{FF2B5EF4-FFF2-40B4-BE49-F238E27FC236}">
-                <a16:creationId xmlns:a16="http://schemas.microsoft.com/office/drawing/2014/main" id="{7CDE5CB8-D6AD-4C47-BF0F-10BE05D2B38D}"/>
-              </a:ext>
-            </a:extLst>
-          </p:cNvPr>
-          <p:cNvSpPr txBox="1"/>
-          <p:nvPr/>
-        </p:nvSpPr>
-        <p:spPr>
-          <a:xfrm>
-            <a:off x="1822607" y="1000507"/>
+            <a:off x="2474260" y="4667019"/>
             <a:ext cx="3647152" cy="369332"/>
           </a:xfrm>
           <a:prstGeom prst="rect">
@@ -3920,15 +4205,464 @@
           <a:p>
             <a:r>
               <a:rPr lang="ja-JP" altLang="en-US" dirty="0"/>
-              <a:t>・以下の設定をできるようにする</a:t>
-            </a:r>
+              <a:t>・プレイヤーが踏んで倒すまで。</a:t>
+            </a:r>
+            <a:endParaRPr lang="en-US" altLang="ja-JP" dirty="0"/>
           </a:p>
         </p:txBody>
       </p:sp>
     </p:spTree>
     <p:extLst>
       <p:ext uri="{BB962C8B-B14F-4D97-AF65-F5344CB8AC3E}">
-        <p14:creationId xmlns:p14="http://schemas.microsoft.com/office/powerpoint/2010/main" val="2124067349"/>
+        <p14:creationId xmlns:p14="http://schemas.microsoft.com/office/powerpoint/2010/main" val="1499613796"/>
+      </p:ext>
+    </p:extLst>
+  </p:cSld>
+  <p:clrMapOvr>
+    <a:masterClrMapping/>
+  </p:clrMapOvr>
+</p:sld>
+</file>
+
+<file path=ppt/slides/slide3.xml><?xml version="1.0" encoding="utf-8"?>
+<p:sld xmlns:a="http://schemas.openxmlformats.org/drawingml/2006/main" xmlns:r="http://schemas.openxmlformats.org/officeDocument/2006/relationships" xmlns:p="http://schemas.openxmlformats.org/presentationml/2006/main">
+  <p:cSld>
+    <p:spTree>
+      <p:nvGrpSpPr>
+        <p:cNvPr id="1" name=""/>
+        <p:cNvGrpSpPr/>
+        <p:nvPr/>
+      </p:nvGrpSpPr>
+      <p:grpSpPr>
+        <a:xfrm>
+          <a:off x="0" y="0"/>
+          <a:ext cx="0" cy="0"/>
+          <a:chOff x="0" y="0"/>
+          <a:chExt cx="0" cy="0"/>
+        </a:xfrm>
+      </p:grpSpPr>
+      <p:pic>
+        <p:nvPicPr>
+          <p:cNvPr id="3" name="図 2">
+            <a:extLst>
+              <a:ext uri="{FF2B5EF4-FFF2-40B4-BE49-F238E27FC236}">
+                <a16:creationId xmlns:a16="http://schemas.microsoft.com/office/drawing/2014/main" id="{48C4FD39-FB6B-4EED-93F2-4F1779C5F126}"/>
+              </a:ext>
+            </a:extLst>
+          </p:cNvPr>
+          <p:cNvPicPr>
+            <a:picLocks noChangeAspect="1"/>
+          </p:cNvPicPr>
+          <p:nvPr/>
+        </p:nvPicPr>
+        <p:blipFill>
+          <a:blip r:embed="rId2">
+            <a:extLst>
+              <a:ext uri="{28A0092B-C50C-407E-A947-70E740481C1C}">
+                <a14:useLocalDpi xmlns:a14="http://schemas.microsoft.com/office/drawing/2010/main" val="0"/>
+              </a:ext>
+            </a:extLst>
+          </a:blip>
+          <a:stretch>
+            <a:fillRect/>
+          </a:stretch>
+        </p:blipFill>
+        <p:spPr>
+          <a:xfrm>
+            <a:off x="1562100" y="326354"/>
+            <a:ext cx="1757643" cy="1757643"/>
+          </a:xfrm>
+          <a:prstGeom prst="rect">
+            <a:avLst/>
+          </a:prstGeom>
+        </p:spPr>
+      </p:pic>
+      <p:sp>
+        <p:nvSpPr>
+          <p:cNvPr id="5" name="テキスト ボックス 4">
+            <a:extLst>
+              <a:ext uri="{FF2B5EF4-FFF2-40B4-BE49-F238E27FC236}">
+                <a16:creationId xmlns:a16="http://schemas.microsoft.com/office/drawing/2014/main" id="{F79B02D9-E835-4767-A7BD-EA5AC4BA4200}"/>
+              </a:ext>
+            </a:extLst>
+          </p:cNvPr>
+          <p:cNvSpPr txBox="1"/>
+          <p:nvPr/>
+        </p:nvSpPr>
+        <p:spPr>
+          <a:xfrm>
+            <a:off x="71717" y="125506"/>
+            <a:ext cx="896399" cy="369332"/>
+          </a:xfrm>
+          <a:prstGeom prst="rect">
+            <a:avLst/>
+          </a:prstGeom>
+          <a:noFill/>
+        </p:spPr>
+        <p:txBody>
+          <a:bodyPr wrap="none" rtlCol="0">
+            <a:spAutoFit/>
+          </a:bodyPr>
+          <a:lstStyle/>
+          <a:p>
+            <a:r>
+              <a:rPr kumimoji="1" lang="en-US" altLang="ja-JP" dirty="0"/>
+              <a:t>Blue</a:t>
+            </a:r>
+            <a:r>
+              <a:rPr kumimoji="1" lang="ja-JP" altLang="en-US" dirty="0"/>
+              <a:t>敵</a:t>
+            </a:r>
+            <a:endParaRPr kumimoji="1" lang="en-US" altLang="ja-JP" dirty="0"/>
+          </a:p>
+        </p:txBody>
+      </p:sp>
+      <p:sp>
+        <p:nvSpPr>
+          <p:cNvPr id="7" name="テキスト ボックス 6">
+            <a:extLst>
+              <a:ext uri="{FF2B5EF4-FFF2-40B4-BE49-F238E27FC236}">
+                <a16:creationId xmlns:a16="http://schemas.microsoft.com/office/drawing/2014/main" id="{1C5C9713-A7A9-4861-AD2A-FD7ECE45317B}"/>
+              </a:ext>
+            </a:extLst>
+          </p:cNvPr>
+          <p:cNvSpPr txBox="1"/>
+          <p:nvPr/>
+        </p:nvSpPr>
+        <p:spPr>
+          <a:xfrm>
+            <a:off x="1676401" y="2770095"/>
+            <a:ext cx="2619628" cy="369332"/>
+          </a:xfrm>
+          <a:prstGeom prst="rect">
+            <a:avLst/>
+          </a:prstGeom>
+          <a:noFill/>
+        </p:spPr>
+        <p:txBody>
+          <a:bodyPr wrap="none" rtlCol="0">
+            <a:spAutoFit/>
+          </a:bodyPr>
+          <a:lstStyle/>
+          <a:p>
+            <a:r>
+              <a:rPr kumimoji="1" lang="en-US" altLang="ja-JP" dirty="0"/>
+              <a:t>Block</a:t>
+            </a:r>
+            <a:r>
+              <a:rPr kumimoji="1" lang="ja-JP" altLang="en-US" dirty="0"/>
+              <a:t>の中に潜んでいる</a:t>
+            </a:r>
+          </a:p>
+        </p:txBody>
+      </p:sp>
+      <p:sp>
+        <p:nvSpPr>
+          <p:cNvPr id="8" name="テキスト ボックス 7">
+            <a:extLst>
+              <a:ext uri="{FF2B5EF4-FFF2-40B4-BE49-F238E27FC236}">
+                <a16:creationId xmlns:a16="http://schemas.microsoft.com/office/drawing/2014/main" id="{264342E1-B335-46E3-B6EA-597F8D5A277F}"/>
+              </a:ext>
+            </a:extLst>
+          </p:cNvPr>
+          <p:cNvSpPr txBox="1"/>
+          <p:nvPr/>
+        </p:nvSpPr>
+        <p:spPr>
+          <a:xfrm>
+            <a:off x="2474260" y="3442448"/>
+            <a:ext cx="4927952" cy="369332"/>
+          </a:xfrm>
+          <a:prstGeom prst="rect">
+            <a:avLst/>
+          </a:prstGeom>
+          <a:noFill/>
+        </p:spPr>
+        <p:txBody>
+          <a:bodyPr wrap="none" rtlCol="0">
+            <a:spAutoFit/>
+          </a:bodyPr>
+          <a:lstStyle/>
+          <a:p>
+            <a:r>
+              <a:rPr kumimoji="1" lang="ja-JP" altLang="en-US" dirty="0"/>
+              <a:t>・</a:t>
+            </a:r>
+            <a:r>
+              <a:rPr kumimoji="1" lang="en-US" altLang="ja-JP" dirty="0"/>
+              <a:t>Block</a:t>
+            </a:r>
+            <a:r>
+              <a:rPr kumimoji="1" lang="ja-JP" altLang="en-US" dirty="0"/>
+              <a:t>を壊すとプレイヤーを追いかけてくる</a:t>
+            </a:r>
+          </a:p>
+        </p:txBody>
+      </p:sp>
+      <p:sp>
+        <p:nvSpPr>
+          <p:cNvPr id="9" name="テキスト ボックス 8">
+            <a:extLst>
+              <a:ext uri="{FF2B5EF4-FFF2-40B4-BE49-F238E27FC236}">
+                <a16:creationId xmlns:a16="http://schemas.microsoft.com/office/drawing/2014/main" id="{4AC3A0A0-1B1A-4627-9A63-9E215662253A}"/>
+              </a:ext>
+            </a:extLst>
+          </p:cNvPr>
+          <p:cNvSpPr txBox="1"/>
+          <p:nvPr/>
+        </p:nvSpPr>
+        <p:spPr>
+          <a:xfrm>
+            <a:off x="2474260" y="3930135"/>
+            <a:ext cx="3647152" cy="369332"/>
+          </a:xfrm>
+          <a:prstGeom prst="rect">
+            <a:avLst/>
+          </a:prstGeom>
+          <a:noFill/>
+        </p:spPr>
+        <p:txBody>
+          <a:bodyPr wrap="none" rtlCol="0">
+            <a:spAutoFit/>
+          </a:bodyPr>
+          <a:lstStyle/>
+          <a:p>
+            <a:r>
+              <a:rPr lang="ja-JP" altLang="en-US" dirty="0"/>
+              <a:t>・プレイヤーが踏んで倒すまで。</a:t>
+            </a:r>
+            <a:endParaRPr lang="en-US" altLang="ja-JP" dirty="0"/>
+          </a:p>
+        </p:txBody>
+      </p:sp>
+    </p:spTree>
+    <p:extLst>
+      <p:ext uri="{BB962C8B-B14F-4D97-AF65-F5344CB8AC3E}">
+        <p14:creationId xmlns:p14="http://schemas.microsoft.com/office/powerpoint/2010/main" val="1348117809"/>
+      </p:ext>
+    </p:extLst>
+  </p:cSld>
+  <p:clrMapOvr>
+    <a:masterClrMapping/>
+  </p:clrMapOvr>
+</p:sld>
+</file>
+
+<file path=ppt/slides/slide4.xml><?xml version="1.0" encoding="utf-8"?>
+<p:sld xmlns:a="http://schemas.openxmlformats.org/drawingml/2006/main" xmlns:r="http://schemas.openxmlformats.org/officeDocument/2006/relationships" xmlns:p="http://schemas.openxmlformats.org/presentationml/2006/main">
+  <p:cSld>
+    <p:spTree>
+      <p:nvGrpSpPr>
+        <p:cNvPr id="1" name=""/>
+        <p:cNvGrpSpPr/>
+        <p:nvPr/>
+      </p:nvGrpSpPr>
+      <p:grpSpPr>
+        <a:xfrm>
+          <a:off x="0" y="0"/>
+          <a:ext cx="0" cy="0"/>
+          <a:chOff x="0" y="0"/>
+          <a:chExt cx="0" cy="0"/>
+        </a:xfrm>
+      </p:grpSpPr>
+      <p:pic>
+        <p:nvPicPr>
+          <p:cNvPr id="4" name="図 3">
+            <a:extLst>
+              <a:ext uri="{FF2B5EF4-FFF2-40B4-BE49-F238E27FC236}">
+                <a16:creationId xmlns:a16="http://schemas.microsoft.com/office/drawing/2014/main" id="{9B2DEDCA-0D87-4ACD-A284-247CAF66D08E}"/>
+              </a:ext>
+            </a:extLst>
+          </p:cNvPr>
+          <p:cNvPicPr>
+            <a:picLocks noChangeAspect="1"/>
+          </p:cNvPicPr>
+          <p:nvPr/>
+        </p:nvPicPr>
+        <p:blipFill>
+          <a:blip r:embed="rId2">
+            <a:extLst>
+              <a:ext uri="{28A0092B-C50C-407E-A947-70E740481C1C}">
+                <a14:useLocalDpi xmlns:a14="http://schemas.microsoft.com/office/drawing/2010/main" val="0"/>
+              </a:ext>
+            </a:extLst>
+          </a:blip>
+          <a:stretch>
+            <a:fillRect/>
+          </a:stretch>
+        </p:blipFill>
+        <p:spPr>
+          <a:xfrm>
+            <a:off x="1428074" y="361324"/>
+            <a:ext cx="2025694" cy="2025694"/>
+          </a:xfrm>
+          <a:prstGeom prst="rect">
+            <a:avLst/>
+          </a:prstGeom>
+        </p:spPr>
+      </p:pic>
+      <p:sp>
+        <p:nvSpPr>
+          <p:cNvPr id="5" name="テキスト ボックス 4">
+            <a:extLst>
+              <a:ext uri="{FF2B5EF4-FFF2-40B4-BE49-F238E27FC236}">
+                <a16:creationId xmlns:a16="http://schemas.microsoft.com/office/drawing/2014/main" id="{F79B02D9-E835-4767-A7BD-EA5AC4BA4200}"/>
+              </a:ext>
+            </a:extLst>
+          </p:cNvPr>
+          <p:cNvSpPr txBox="1"/>
+          <p:nvPr/>
+        </p:nvSpPr>
+        <p:spPr>
+          <a:xfrm>
+            <a:off x="71717" y="125506"/>
+            <a:ext cx="1058303" cy="369332"/>
+          </a:xfrm>
+          <a:prstGeom prst="rect">
+            <a:avLst/>
+          </a:prstGeom>
+          <a:noFill/>
+        </p:spPr>
+        <p:txBody>
+          <a:bodyPr wrap="none" rtlCol="0">
+            <a:spAutoFit/>
+          </a:bodyPr>
+          <a:lstStyle/>
+          <a:p>
+            <a:r>
+              <a:rPr lang="en-US" altLang="ja-JP" dirty="0"/>
+              <a:t>Green</a:t>
+            </a:r>
+            <a:r>
+              <a:rPr kumimoji="1" lang="ja-JP" altLang="en-US" dirty="0"/>
+              <a:t>敵</a:t>
+            </a:r>
+            <a:endParaRPr kumimoji="1" lang="en-US" altLang="ja-JP" dirty="0"/>
+          </a:p>
+        </p:txBody>
+      </p:sp>
+      <p:sp>
+        <p:nvSpPr>
+          <p:cNvPr id="7" name="テキスト ボックス 6">
+            <a:extLst>
+              <a:ext uri="{FF2B5EF4-FFF2-40B4-BE49-F238E27FC236}">
+                <a16:creationId xmlns:a16="http://schemas.microsoft.com/office/drawing/2014/main" id="{1C5C9713-A7A9-4861-AD2A-FD7ECE45317B}"/>
+              </a:ext>
+            </a:extLst>
+          </p:cNvPr>
+          <p:cNvSpPr txBox="1"/>
+          <p:nvPr/>
+        </p:nvSpPr>
+        <p:spPr>
+          <a:xfrm>
+            <a:off x="1676401" y="2770095"/>
+            <a:ext cx="2619628" cy="369332"/>
+          </a:xfrm>
+          <a:prstGeom prst="rect">
+            <a:avLst/>
+          </a:prstGeom>
+          <a:noFill/>
+        </p:spPr>
+        <p:txBody>
+          <a:bodyPr wrap="none" rtlCol="0">
+            <a:spAutoFit/>
+          </a:bodyPr>
+          <a:lstStyle/>
+          <a:p>
+            <a:r>
+              <a:rPr kumimoji="1" lang="en-US" altLang="ja-JP" dirty="0"/>
+              <a:t>Block</a:t>
+            </a:r>
+            <a:r>
+              <a:rPr kumimoji="1" lang="ja-JP" altLang="en-US" dirty="0"/>
+              <a:t>の中に潜んでいる</a:t>
+            </a:r>
+          </a:p>
+        </p:txBody>
+      </p:sp>
+      <p:sp>
+        <p:nvSpPr>
+          <p:cNvPr id="8" name="テキスト ボックス 7">
+            <a:extLst>
+              <a:ext uri="{FF2B5EF4-FFF2-40B4-BE49-F238E27FC236}">
+                <a16:creationId xmlns:a16="http://schemas.microsoft.com/office/drawing/2014/main" id="{264342E1-B335-46E3-B6EA-597F8D5A277F}"/>
+              </a:ext>
+            </a:extLst>
+          </p:cNvPr>
+          <p:cNvSpPr txBox="1"/>
+          <p:nvPr/>
+        </p:nvSpPr>
+        <p:spPr>
+          <a:xfrm>
+            <a:off x="2474260" y="3442448"/>
+            <a:ext cx="4927952" cy="369332"/>
+          </a:xfrm>
+          <a:prstGeom prst="rect">
+            <a:avLst/>
+          </a:prstGeom>
+          <a:noFill/>
+        </p:spPr>
+        <p:txBody>
+          <a:bodyPr wrap="none" rtlCol="0">
+            <a:spAutoFit/>
+          </a:bodyPr>
+          <a:lstStyle/>
+          <a:p>
+            <a:r>
+              <a:rPr kumimoji="1" lang="ja-JP" altLang="en-US" dirty="0"/>
+              <a:t>・</a:t>
+            </a:r>
+            <a:r>
+              <a:rPr kumimoji="1" lang="en-US" altLang="ja-JP" dirty="0"/>
+              <a:t>Block</a:t>
+            </a:r>
+            <a:r>
+              <a:rPr kumimoji="1" lang="ja-JP" altLang="en-US" dirty="0"/>
+              <a:t>を壊すとプレイヤーを追いかけてくる</a:t>
+            </a:r>
+          </a:p>
+        </p:txBody>
+      </p:sp>
+      <p:sp>
+        <p:nvSpPr>
+          <p:cNvPr id="9" name="テキスト ボックス 8">
+            <a:extLst>
+              <a:ext uri="{FF2B5EF4-FFF2-40B4-BE49-F238E27FC236}">
+                <a16:creationId xmlns:a16="http://schemas.microsoft.com/office/drawing/2014/main" id="{4AC3A0A0-1B1A-4627-9A63-9E215662253A}"/>
+              </a:ext>
+            </a:extLst>
+          </p:cNvPr>
+          <p:cNvSpPr txBox="1"/>
+          <p:nvPr/>
+        </p:nvSpPr>
+        <p:spPr>
+          <a:xfrm>
+            <a:off x="2474260" y="3930135"/>
+            <a:ext cx="3647152" cy="369332"/>
+          </a:xfrm>
+          <a:prstGeom prst="rect">
+            <a:avLst/>
+          </a:prstGeom>
+          <a:noFill/>
+        </p:spPr>
+        <p:txBody>
+          <a:bodyPr wrap="none" rtlCol="0">
+            <a:spAutoFit/>
+          </a:bodyPr>
+          <a:lstStyle/>
+          <a:p>
+            <a:r>
+              <a:rPr lang="ja-JP" altLang="en-US" dirty="0"/>
+              <a:t>・プレイヤーが踏んで倒すまで。</a:t>
+            </a:r>
+            <a:endParaRPr lang="en-US" altLang="ja-JP" dirty="0"/>
+          </a:p>
+        </p:txBody>
+      </p:sp>
+    </p:spTree>
+    <p:extLst>
+      <p:ext uri="{BB962C8B-B14F-4D97-AF65-F5344CB8AC3E}">
+        <p14:creationId xmlns:p14="http://schemas.microsoft.com/office/powerpoint/2010/main" val="3981588904"/>
       </p:ext>
     </p:extLst>
   </p:cSld>

--- a/ゲーム制作課題「Breaking_UP」/仕様書/敵.pptx
+++ b/ゲーム制作課題「Breaking_UP」/仕様書/敵.pptx
@@ -262,7 +262,7 @@
           <a:p>
             <a:fld id="{71F07A83-1551-4091-B444-811C0013CE76}" type="datetimeFigureOut">
               <a:rPr kumimoji="1" lang="ja-JP" altLang="en-US" smtClean="0"/>
-              <a:t>2026/2/5</a:t>
+              <a:t>2026/2/13</a:t>
             </a:fld>
             <a:endParaRPr kumimoji="1" lang="ja-JP" altLang="en-US"/>
           </a:p>
@@ -492,7 +492,7 @@
           <a:p>
             <a:fld id="{71F07A83-1551-4091-B444-811C0013CE76}" type="datetimeFigureOut">
               <a:rPr kumimoji="1" lang="ja-JP" altLang="en-US" smtClean="0"/>
-              <a:t>2026/2/5</a:t>
+              <a:t>2026/2/13</a:t>
             </a:fld>
             <a:endParaRPr kumimoji="1" lang="ja-JP" altLang="en-US"/>
           </a:p>
@@ -732,7 +732,7 @@
           <a:p>
             <a:fld id="{71F07A83-1551-4091-B444-811C0013CE76}" type="datetimeFigureOut">
               <a:rPr kumimoji="1" lang="ja-JP" altLang="en-US" smtClean="0"/>
-              <a:t>2026/2/5</a:t>
+              <a:t>2026/2/13</a:t>
             </a:fld>
             <a:endParaRPr kumimoji="1" lang="ja-JP" altLang="en-US"/>
           </a:p>
@@ -962,7 +962,7 @@
           <a:p>
             <a:fld id="{71F07A83-1551-4091-B444-811C0013CE76}" type="datetimeFigureOut">
               <a:rPr kumimoji="1" lang="ja-JP" altLang="en-US" smtClean="0"/>
-              <a:t>2026/2/5</a:t>
+              <a:t>2026/2/13</a:t>
             </a:fld>
             <a:endParaRPr kumimoji="1" lang="ja-JP" altLang="en-US"/>
           </a:p>
@@ -1237,7 +1237,7 @@
           <a:p>
             <a:fld id="{71F07A83-1551-4091-B444-811C0013CE76}" type="datetimeFigureOut">
               <a:rPr kumimoji="1" lang="ja-JP" altLang="en-US" smtClean="0"/>
-              <a:t>2026/2/5</a:t>
+              <a:t>2026/2/13</a:t>
             </a:fld>
             <a:endParaRPr kumimoji="1" lang="ja-JP" altLang="en-US"/>
           </a:p>
@@ -1566,7 +1566,7 @@
           <a:p>
             <a:fld id="{71F07A83-1551-4091-B444-811C0013CE76}" type="datetimeFigureOut">
               <a:rPr kumimoji="1" lang="ja-JP" altLang="en-US" smtClean="0"/>
-              <a:t>2026/2/5</a:t>
+              <a:t>2026/2/13</a:t>
             </a:fld>
             <a:endParaRPr kumimoji="1" lang="ja-JP" altLang="en-US"/>
           </a:p>
@@ -2042,7 +2042,7 @@
           <a:p>
             <a:fld id="{71F07A83-1551-4091-B444-811C0013CE76}" type="datetimeFigureOut">
               <a:rPr kumimoji="1" lang="ja-JP" altLang="en-US" smtClean="0"/>
-              <a:t>2026/2/5</a:t>
+              <a:t>2026/2/13</a:t>
             </a:fld>
             <a:endParaRPr kumimoji="1" lang="ja-JP" altLang="en-US"/>
           </a:p>
@@ -2183,7 +2183,7 @@
           <a:p>
             <a:fld id="{71F07A83-1551-4091-B444-811C0013CE76}" type="datetimeFigureOut">
               <a:rPr kumimoji="1" lang="ja-JP" altLang="en-US" smtClean="0"/>
-              <a:t>2026/2/5</a:t>
+              <a:t>2026/2/13</a:t>
             </a:fld>
             <a:endParaRPr kumimoji="1" lang="ja-JP" altLang="en-US"/>
           </a:p>
@@ -2296,7 +2296,7 @@
           <a:p>
             <a:fld id="{71F07A83-1551-4091-B444-811C0013CE76}" type="datetimeFigureOut">
               <a:rPr kumimoji="1" lang="ja-JP" altLang="en-US" smtClean="0"/>
-              <a:t>2026/2/5</a:t>
+              <a:t>2026/2/13</a:t>
             </a:fld>
             <a:endParaRPr kumimoji="1" lang="ja-JP" altLang="en-US"/>
           </a:p>
@@ -2639,7 +2639,7 @@
           <a:p>
             <a:fld id="{71F07A83-1551-4091-B444-811C0013CE76}" type="datetimeFigureOut">
               <a:rPr kumimoji="1" lang="ja-JP" altLang="en-US" smtClean="0"/>
-              <a:t>2026/2/5</a:t>
+              <a:t>2026/2/13</a:t>
             </a:fld>
             <a:endParaRPr kumimoji="1" lang="ja-JP" altLang="en-US"/>
           </a:p>
@@ -2927,7 +2927,7 @@
           <a:p>
             <a:fld id="{71F07A83-1551-4091-B444-811C0013CE76}" type="datetimeFigureOut">
               <a:rPr kumimoji="1" lang="ja-JP" altLang="en-US" smtClean="0"/>
-              <a:t>2026/2/5</a:t>
+              <a:t>2026/2/13</a:t>
             </a:fld>
             <a:endParaRPr kumimoji="1" lang="ja-JP" altLang="en-US"/>
           </a:p>
@@ -3200,7 +3200,7 @@
           <a:p>
             <a:fld id="{71F07A83-1551-4091-B444-811C0013CE76}" type="datetimeFigureOut">
               <a:rPr kumimoji="1" lang="ja-JP" altLang="en-US" smtClean="0"/>
-              <a:t>2026/2/5</a:t>
+              <a:t>2026/2/13</a:t>
             </a:fld>
             <a:endParaRPr kumimoji="1" lang="ja-JP" altLang="en-US"/>
           </a:p>
@@ -4081,7 +4081,7 @@
         </p:nvSpPr>
         <p:spPr>
           <a:xfrm>
-            <a:off x="2474260" y="4297687"/>
+            <a:off x="2474260" y="3870067"/>
             <a:ext cx="4801314" cy="369332"/>
           </a:xfrm>
           <a:prstGeom prst="rect">
@@ -4098,42 +4098,6 @@
             <a:r>
               <a:rPr lang="ja-JP" altLang="en-US" dirty="0"/>
               <a:t>・プレイヤーが視界に入ると追いかけてくる</a:t>
-            </a:r>
-            <a:endParaRPr lang="en-US" altLang="ja-JP" dirty="0"/>
-          </a:p>
-        </p:txBody>
-      </p:sp>
-      <p:sp>
-        <p:nvSpPr>
-          <p:cNvPr id="11" name="テキスト ボックス 10">
-            <a:extLst>
-              <a:ext uri="{FF2B5EF4-FFF2-40B4-BE49-F238E27FC236}">
-                <a16:creationId xmlns:a16="http://schemas.microsoft.com/office/drawing/2014/main" id="{D0AFF250-707E-487B-807D-7420F0584B09}"/>
-              </a:ext>
-            </a:extLst>
-          </p:cNvPr>
-          <p:cNvSpPr txBox="1"/>
-          <p:nvPr/>
-        </p:nvSpPr>
-        <p:spPr>
-          <a:xfrm>
-            <a:off x="2474260" y="3856603"/>
-            <a:ext cx="1800493" cy="369332"/>
-          </a:xfrm>
-          <a:prstGeom prst="rect">
-            <a:avLst/>
-          </a:prstGeom>
-          <a:noFill/>
-        </p:spPr>
-        <p:txBody>
-          <a:bodyPr wrap="none" rtlCol="0">
-            <a:spAutoFit/>
-          </a:bodyPr>
-          <a:lstStyle/>
-          <a:p>
-            <a:r>
-              <a:rPr lang="ja-JP" altLang="en-US" dirty="0"/>
-              <a:t>・壁で折り返す</a:t>
             </a:r>
             <a:endParaRPr lang="en-US" altLang="ja-JP" dirty="0"/>
           </a:p>
@@ -4189,8 +4153,8 @@
         </p:nvSpPr>
         <p:spPr>
           <a:xfrm>
-            <a:off x="2474260" y="4667019"/>
-            <a:ext cx="3647152" cy="369332"/>
+            <a:off x="2440922" y="4239399"/>
+            <a:ext cx="2723823" cy="369332"/>
           </a:xfrm>
           <a:prstGeom prst="rect">
             <a:avLst/>
@@ -4205,7 +4169,7 @@
           <a:p>
             <a:r>
               <a:rPr lang="ja-JP" altLang="en-US" dirty="0"/>
-              <a:t>・プレイヤーが踏んで倒すまで。</a:t>
+              <a:t>・弾を当てて倒すまで。</a:t>
             </a:r>
             <a:endParaRPr lang="en-US" altLang="ja-JP" dirty="0"/>
           </a:p>
@@ -4638,7 +4602,7 @@
         <p:spPr>
           <a:xfrm>
             <a:off x="2474260" y="3930135"/>
-            <a:ext cx="3647152" cy="369332"/>
+            <a:ext cx="5032147" cy="369332"/>
           </a:xfrm>
           <a:prstGeom prst="rect">
             <a:avLst/>
@@ -4653,7 +4617,7 @@
           <a:p>
             <a:r>
               <a:rPr lang="ja-JP" altLang="en-US" dirty="0"/>
-              <a:t>・プレイヤーが踏んで倒すまで。</a:t>
+              <a:t>・プレイヤーが踏むか、弾を当てて倒すまで。</a:t>
             </a:r>
             <a:endParaRPr lang="en-US" altLang="ja-JP" dirty="0"/>
           </a:p>

--- a/ゲーム制作課題「Breaking_UP」/仕様書/敵.pptx
+++ b/ゲーム制作課題「Breaking_UP」/仕様書/敵.pptx
@@ -262,7 +262,7 @@
           <a:p>
             <a:fld id="{71F07A83-1551-4091-B444-811C0013CE76}" type="datetimeFigureOut">
               <a:rPr kumimoji="1" lang="ja-JP" altLang="en-US" smtClean="0"/>
-              <a:t>2026/2/5</a:t>
+              <a:t>2026/2/6</a:t>
             </a:fld>
             <a:endParaRPr kumimoji="1" lang="ja-JP" altLang="en-US"/>
           </a:p>
@@ -492,7 +492,7 @@
           <a:p>
             <a:fld id="{71F07A83-1551-4091-B444-811C0013CE76}" type="datetimeFigureOut">
               <a:rPr kumimoji="1" lang="ja-JP" altLang="en-US" smtClean="0"/>
-              <a:t>2026/2/5</a:t>
+              <a:t>2026/2/6</a:t>
             </a:fld>
             <a:endParaRPr kumimoji="1" lang="ja-JP" altLang="en-US"/>
           </a:p>
@@ -732,7 +732,7 @@
           <a:p>
             <a:fld id="{71F07A83-1551-4091-B444-811C0013CE76}" type="datetimeFigureOut">
               <a:rPr kumimoji="1" lang="ja-JP" altLang="en-US" smtClean="0"/>
-              <a:t>2026/2/5</a:t>
+              <a:t>2026/2/6</a:t>
             </a:fld>
             <a:endParaRPr kumimoji="1" lang="ja-JP" altLang="en-US"/>
           </a:p>
@@ -962,7 +962,7 @@
           <a:p>
             <a:fld id="{71F07A83-1551-4091-B444-811C0013CE76}" type="datetimeFigureOut">
               <a:rPr kumimoji="1" lang="ja-JP" altLang="en-US" smtClean="0"/>
-              <a:t>2026/2/5</a:t>
+              <a:t>2026/2/6</a:t>
             </a:fld>
             <a:endParaRPr kumimoji="1" lang="ja-JP" altLang="en-US"/>
           </a:p>
@@ -1237,7 +1237,7 @@
           <a:p>
             <a:fld id="{71F07A83-1551-4091-B444-811C0013CE76}" type="datetimeFigureOut">
               <a:rPr kumimoji="1" lang="ja-JP" altLang="en-US" smtClean="0"/>
-              <a:t>2026/2/5</a:t>
+              <a:t>2026/2/6</a:t>
             </a:fld>
             <a:endParaRPr kumimoji="1" lang="ja-JP" altLang="en-US"/>
           </a:p>
@@ -1566,7 +1566,7 @@
           <a:p>
             <a:fld id="{71F07A83-1551-4091-B444-811C0013CE76}" type="datetimeFigureOut">
               <a:rPr kumimoji="1" lang="ja-JP" altLang="en-US" smtClean="0"/>
-              <a:t>2026/2/5</a:t>
+              <a:t>2026/2/6</a:t>
             </a:fld>
             <a:endParaRPr kumimoji="1" lang="ja-JP" altLang="en-US"/>
           </a:p>
@@ -2042,7 +2042,7 @@
           <a:p>
             <a:fld id="{71F07A83-1551-4091-B444-811C0013CE76}" type="datetimeFigureOut">
               <a:rPr kumimoji="1" lang="ja-JP" altLang="en-US" smtClean="0"/>
-              <a:t>2026/2/5</a:t>
+              <a:t>2026/2/6</a:t>
             </a:fld>
             <a:endParaRPr kumimoji="1" lang="ja-JP" altLang="en-US"/>
           </a:p>
@@ -2183,7 +2183,7 @@
           <a:p>
             <a:fld id="{71F07A83-1551-4091-B444-811C0013CE76}" type="datetimeFigureOut">
               <a:rPr kumimoji="1" lang="ja-JP" altLang="en-US" smtClean="0"/>
-              <a:t>2026/2/5</a:t>
+              <a:t>2026/2/6</a:t>
             </a:fld>
             <a:endParaRPr kumimoji="1" lang="ja-JP" altLang="en-US"/>
           </a:p>
@@ -2296,7 +2296,7 @@
           <a:p>
             <a:fld id="{71F07A83-1551-4091-B444-811C0013CE76}" type="datetimeFigureOut">
               <a:rPr kumimoji="1" lang="ja-JP" altLang="en-US" smtClean="0"/>
-              <a:t>2026/2/5</a:t>
+              <a:t>2026/2/6</a:t>
             </a:fld>
             <a:endParaRPr kumimoji="1" lang="ja-JP" altLang="en-US"/>
           </a:p>
@@ -2639,7 +2639,7 @@
           <a:p>
             <a:fld id="{71F07A83-1551-4091-B444-811C0013CE76}" type="datetimeFigureOut">
               <a:rPr kumimoji="1" lang="ja-JP" altLang="en-US" smtClean="0"/>
-              <a:t>2026/2/5</a:t>
+              <a:t>2026/2/6</a:t>
             </a:fld>
             <a:endParaRPr kumimoji="1" lang="ja-JP" altLang="en-US"/>
           </a:p>
@@ -2927,7 +2927,7 @@
           <a:p>
             <a:fld id="{71F07A83-1551-4091-B444-811C0013CE76}" type="datetimeFigureOut">
               <a:rPr kumimoji="1" lang="ja-JP" altLang="en-US" smtClean="0"/>
-              <a:t>2026/2/5</a:t>
+              <a:t>2026/2/6</a:t>
             </a:fld>
             <a:endParaRPr kumimoji="1" lang="ja-JP" altLang="en-US"/>
           </a:p>
@@ -3200,7 +3200,7 @@
           <a:p>
             <a:fld id="{71F07A83-1551-4091-B444-811C0013CE76}" type="datetimeFigureOut">
               <a:rPr kumimoji="1" lang="ja-JP" altLang="en-US" smtClean="0"/>
-              <a:t>2026/2/5</a:t>
+              <a:t>2026/2/6</a:t>
             </a:fld>
             <a:endParaRPr kumimoji="1" lang="ja-JP" altLang="en-US"/>
           </a:p>
@@ -3667,7 +3667,7 @@
         </p:nvSpPr>
         <p:spPr>
           <a:xfrm>
-            <a:off x="1195392" y="907124"/>
+            <a:off x="1410545" y="1489830"/>
             <a:ext cx="3416320" cy="369332"/>
           </a:xfrm>
           <a:prstGeom prst="rect">
@@ -3702,7 +3702,7 @@
         </p:nvSpPr>
         <p:spPr>
           <a:xfrm>
-            <a:off x="1657057" y="1276456"/>
+            <a:off x="1872210" y="1859162"/>
             <a:ext cx="1800493" cy="369332"/>
           </a:xfrm>
           <a:prstGeom prst="rect">
@@ -3737,7 +3737,7 @@
         </p:nvSpPr>
         <p:spPr>
           <a:xfrm>
-            <a:off x="1657057" y="1645788"/>
+            <a:off x="1872210" y="2228494"/>
             <a:ext cx="2031325" cy="369332"/>
           </a:xfrm>
           <a:prstGeom prst="rect">
@@ -3772,7 +3772,7 @@
         </p:nvSpPr>
         <p:spPr>
           <a:xfrm>
-            <a:off x="1657057" y="2015120"/>
+            <a:off x="1872210" y="2597826"/>
             <a:ext cx="3629520" cy="369332"/>
           </a:xfrm>
           <a:prstGeom prst="rect">
@@ -3815,7 +3815,7 @@
         </p:nvSpPr>
         <p:spPr>
           <a:xfrm>
-            <a:off x="1657057" y="2657127"/>
+            <a:off x="1872210" y="3239833"/>
             <a:ext cx="5955476" cy="923330"/>
           </a:xfrm>
           <a:prstGeom prst="rect">
@@ -3873,7 +3873,7 @@
         </p:nvSpPr>
         <p:spPr>
           <a:xfrm>
-            <a:off x="1657057" y="4007383"/>
+            <a:off x="1872210" y="4590089"/>
             <a:ext cx="6340197" cy="369332"/>
           </a:xfrm>
           <a:prstGeom prst="rect">
